--- a/Presentation.pptx
+++ b/Presentation.pptx
@@ -18,7 +18,7 @@
     <p:sldId id="314" r:id="rId7"/>
     <p:sldId id="315" r:id="rId8"/>
     <p:sldId id="317" r:id="rId9"/>
-    <p:sldId id="316" r:id="rId10"/>
+    <p:sldId id="318" r:id="rId10"/>
   </p:sldIdLst>
   <p:sldSz cx="12188825" cy="6858000"/>
   <p:notesSz cx="6858000" cy="9144000"/>
@@ -4255,13 +4255,13 @@
   <p:clrMapOvr>
     <a:masterClrMapping/>
   </p:clrMapOvr>
-  <mc:AlternateContent xmlns:mc="http://schemas.openxmlformats.org/markup-compatibility/2006">
-    <mc:Choice xmlns:p14="http://schemas.microsoft.com/office/powerpoint/2010/main" Requires="p14">
+  <mc:AlternateContent xmlns:mc="http://schemas.openxmlformats.org/markup-compatibility/2006" xmlns:p14="http://schemas.microsoft.com/office/powerpoint/2010/main">
+    <mc:Choice Requires="p14">
       <p:transition spd="med" p14:dur="700">
         <p:fade/>
       </p:transition>
     </mc:Choice>
-    <mc:Fallback>
+    <mc:Fallback xmlns="">
       <p:transition spd="med">
         <p:fade/>
       </p:transition>
@@ -4370,13 +4370,13 @@
   <p:clrMapOvr>
     <a:masterClrMapping/>
   </p:clrMapOvr>
-  <mc:AlternateContent xmlns:mc="http://schemas.openxmlformats.org/markup-compatibility/2006">
-    <mc:Choice xmlns:p14="http://schemas.microsoft.com/office/powerpoint/2010/main" Requires="p14">
+  <mc:AlternateContent xmlns:mc="http://schemas.openxmlformats.org/markup-compatibility/2006" xmlns:p14="http://schemas.microsoft.com/office/powerpoint/2010/main">
+    <mc:Choice Requires="p14">
       <p:transition spd="med" p14:dur="700">
         <p:fade/>
       </p:transition>
     </mc:Choice>
-    <mc:Fallback>
+    <mc:Fallback xmlns="">
       <p:transition spd="med">
         <p:fade/>
       </p:transition>
@@ -4483,13 +4483,13 @@
   <p:clrMapOvr>
     <a:masterClrMapping/>
   </p:clrMapOvr>
-  <mc:AlternateContent xmlns:mc="http://schemas.openxmlformats.org/markup-compatibility/2006">
-    <mc:Choice xmlns:p14="http://schemas.microsoft.com/office/powerpoint/2010/main" Requires="p14">
+  <mc:AlternateContent xmlns:mc="http://schemas.openxmlformats.org/markup-compatibility/2006" xmlns:p14="http://schemas.microsoft.com/office/powerpoint/2010/main">
+    <mc:Choice Requires="p14">
       <p:transition spd="med" p14:dur="700">
         <p:fade/>
       </p:transition>
     </mc:Choice>
-    <mc:Fallback>
+    <mc:Fallback xmlns="">
       <p:transition spd="med">
         <p:fade/>
       </p:transition>
@@ -4590,13 +4590,13 @@
   <p:clrMapOvr>
     <a:masterClrMapping/>
   </p:clrMapOvr>
-  <mc:AlternateContent xmlns:mc="http://schemas.openxmlformats.org/markup-compatibility/2006">
-    <mc:Choice xmlns:p14="http://schemas.microsoft.com/office/powerpoint/2010/main" Requires="p14">
+  <mc:AlternateContent xmlns:mc="http://schemas.openxmlformats.org/markup-compatibility/2006" xmlns:p14="http://schemas.microsoft.com/office/powerpoint/2010/main">
+    <mc:Choice Requires="p14">
       <p:transition spd="med" p14:dur="700">
         <p:fade/>
       </p:transition>
     </mc:Choice>
-    <mc:Fallback>
+    <mc:Fallback xmlns="">
       <p:transition spd="med">
         <p:fade/>
       </p:transition>
@@ -4751,13 +4751,13 @@
   <p:clrMapOvr>
     <a:masterClrMapping/>
   </p:clrMapOvr>
-  <mc:AlternateContent xmlns:mc="http://schemas.openxmlformats.org/markup-compatibility/2006">
-    <mc:Choice xmlns:p14="http://schemas.microsoft.com/office/powerpoint/2010/main" Requires="p14">
+  <mc:AlternateContent xmlns:mc="http://schemas.openxmlformats.org/markup-compatibility/2006" xmlns:p14="http://schemas.microsoft.com/office/powerpoint/2010/main">
+    <mc:Choice Requires="p14">
       <p:transition spd="med" p14:dur="700">
         <p:fade/>
       </p:transition>
     </mc:Choice>
-    <mc:Fallback>
+    <mc:Fallback xmlns="">
       <p:transition spd="med">
         <p:fade/>
       </p:transition>
@@ -4822,8 +4822,43 @@
           <a:lstStyle/>
           <a:p>
             <a:r>
-              <a:rPr lang="en-US" smtClean="0"/>
-              <a:t>Private network </a:t>
+              <a:rPr lang="en-US" dirty="0" smtClean="0"/>
+              <a:t>Private </a:t>
+            </a:r>
+            <a:r>
+              <a:rPr lang="en-US" dirty="0" smtClean="0"/>
+              <a:t>network that is similar to Tor</a:t>
+            </a:r>
+          </a:p>
+          <a:p>
+            <a:r>
+              <a:rPr lang="en-US" dirty="0" smtClean="0"/>
+              <a:t>Nodes communicate with each other for anonymity</a:t>
+            </a:r>
+          </a:p>
+          <a:p>
+            <a:pPr lvl="1"/>
+            <a:r>
+              <a:rPr lang="en-US" dirty="0" smtClean="0"/>
+              <a:t>Report how much has been uploaded and download to other nodes to a “tracker”</a:t>
+            </a:r>
+          </a:p>
+          <a:p>
+            <a:r>
+              <a:rPr lang="en-US" dirty="0" smtClean="0"/>
+              <a:t>Tracker confirms this information</a:t>
+            </a:r>
+          </a:p>
+          <a:p>
+            <a:r>
+              <a:rPr lang="en-US" dirty="0" smtClean="0"/>
+              <a:t>Nodes are rewarded based on bandwidth expenditure</a:t>
+            </a:r>
+          </a:p>
+          <a:p>
+            <a:r>
+              <a:rPr lang="en-US" dirty="0" smtClean="0"/>
+              <a:t>Trackers also track transactions</a:t>
             </a:r>
             <a:endParaRPr lang="en-US" dirty="0" smtClean="0"/>
           </a:p>
@@ -4842,13 +4877,13 @@
   <p:clrMapOvr>
     <a:masterClrMapping/>
   </p:clrMapOvr>
-  <mc:AlternateContent xmlns:mc="http://schemas.openxmlformats.org/markup-compatibility/2006">
-    <mc:Choice xmlns:p14="http://schemas.microsoft.com/office/powerpoint/2010/main" Requires="p14">
+  <mc:AlternateContent xmlns:mc="http://schemas.openxmlformats.org/markup-compatibility/2006" xmlns:p14="http://schemas.microsoft.com/office/powerpoint/2010/main">
+    <mc:Choice Requires="p14">
       <p:transition spd="med" p14:dur="700">
         <p:fade/>
       </p:transition>
     </mc:Choice>
-    <mc:Fallback>
+    <mc:Fallback xmlns="">
       <p:transition spd="med">
         <p:fade/>
       </p:transition>
@@ -4891,7 +4926,7 @@
           <a:p>
             <a:r>
               <a:rPr lang="en-US" dirty="0" smtClean="0"/>
-              <a:t>Nodes</a:t>
+              <a:t>Problems and Considerations</a:t>
             </a:r>
             <a:endParaRPr lang="en-US" dirty="0"/>
           </a:p>
@@ -4914,14 +4949,25 @@
           <a:p>
             <a:r>
               <a:rPr lang="en-US" dirty="0" smtClean="0"/>
-              <a:t>Have Private/Public Key</a:t>
-            </a:r>
-          </a:p>
-          <a:p>
-            <a:pPr lvl="1"/>
+              <a:t>Security of the currency</a:t>
+            </a:r>
+          </a:p>
+          <a:p>
             <a:r>
               <a:rPr lang="en-US" dirty="0" smtClean="0"/>
-              <a:t>Used for both encrypting data </a:t>
+              <a:t>Nature of centralized trackers</a:t>
+            </a:r>
+          </a:p>
+          <a:p>
+            <a:r>
+              <a:rPr lang="en-US" dirty="0" smtClean="0"/>
+              <a:t>Possibility of denial of service attacks</a:t>
+            </a:r>
+          </a:p>
+          <a:p>
+            <a:r>
+              <a:rPr lang="en-US" dirty="0" smtClean="0"/>
+              <a:t>Similar vulnerabilities to Tor</a:t>
             </a:r>
             <a:endParaRPr lang="en-US" dirty="0"/>
           </a:p>
@@ -4930,7 +4976,7 @@
     </p:spTree>
     <p:extLst>
       <p:ext uri="{BB962C8B-B14F-4D97-AF65-F5344CB8AC3E}">
-        <p14:creationId xmlns:p14="http://schemas.microsoft.com/office/powerpoint/2010/main" val="873046538"/>
+        <p14:creationId xmlns:p14="http://schemas.microsoft.com/office/powerpoint/2010/main" val="518808281"/>
       </p:ext>
     </p:extLst>
   </p:cSld>
